--- a/doc/tex/sdf/arduino_quantum_rx/figures_raw/generalDiagram.pptx
+++ b/doc/tex/sdf/arduino_quantum_rx/figures_raw/generalDiagram.pptx
@@ -104,6 +104,11 @@
       </a:defRPr>
     </a:lvl9pPr>
   </p:defaultTextStyle>
+  <p:extLst>
+    <p:ext uri="{EFAFB233-063F-42B5-8137-9DF3F51BA10A}">
+      <p15:sldGuideLst xmlns:p15="http://schemas.microsoft.com/office/powerpoint/2012/main"/>
+    </p:ext>
+  </p:extLst>
 </p:presentation>
 </file>
 
@@ -256,7 +261,7 @@
           <a:p>
             <a:fld id="{6CD38BDD-1ED4-4205-AB7F-2EC0332B736E}" type="datetimeFigureOut">
               <a:rPr lang="en-GB" smtClean="0"/>
-              <a:t>16/08/2019</a:t>
+              <a:t>12/09/2019</a:t>
             </a:fld>
             <a:endParaRPr lang="en-GB"/>
           </a:p>
@@ -456,7 +461,7 @@
           <a:p>
             <a:fld id="{6CD38BDD-1ED4-4205-AB7F-2EC0332B736E}" type="datetimeFigureOut">
               <a:rPr lang="en-GB" smtClean="0"/>
-              <a:t>16/08/2019</a:t>
+              <a:t>12/09/2019</a:t>
             </a:fld>
             <a:endParaRPr lang="en-GB"/>
           </a:p>
@@ -666,7 +671,7 @@
           <a:p>
             <a:fld id="{6CD38BDD-1ED4-4205-AB7F-2EC0332B736E}" type="datetimeFigureOut">
               <a:rPr lang="en-GB" smtClean="0"/>
-              <a:t>16/08/2019</a:t>
+              <a:t>12/09/2019</a:t>
             </a:fld>
             <a:endParaRPr lang="en-GB"/>
           </a:p>
@@ -866,7 +871,7 @@
           <a:p>
             <a:fld id="{6CD38BDD-1ED4-4205-AB7F-2EC0332B736E}" type="datetimeFigureOut">
               <a:rPr lang="en-GB" smtClean="0"/>
-              <a:t>16/08/2019</a:t>
+              <a:t>12/09/2019</a:t>
             </a:fld>
             <a:endParaRPr lang="en-GB"/>
           </a:p>
@@ -1142,7 +1147,7 @@
           <a:p>
             <a:fld id="{6CD38BDD-1ED4-4205-AB7F-2EC0332B736E}" type="datetimeFigureOut">
               <a:rPr lang="en-GB" smtClean="0"/>
-              <a:t>16/08/2019</a:t>
+              <a:t>12/09/2019</a:t>
             </a:fld>
             <a:endParaRPr lang="en-GB"/>
           </a:p>
@@ -1410,7 +1415,7 @@
           <a:p>
             <a:fld id="{6CD38BDD-1ED4-4205-AB7F-2EC0332B736E}" type="datetimeFigureOut">
               <a:rPr lang="en-GB" smtClean="0"/>
-              <a:t>16/08/2019</a:t>
+              <a:t>12/09/2019</a:t>
             </a:fld>
             <a:endParaRPr lang="en-GB"/>
           </a:p>
@@ -1825,7 +1830,7 @@
           <a:p>
             <a:fld id="{6CD38BDD-1ED4-4205-AB7F-2EC0332B736E}" type="datetimeFigureOut">
               <a:rPr lang="en-GB" smtClean="0"/>
-              <a:t>16/08/2019</a:t>
+              <a:t>12/09/2019</a:t>
             </a:fld>
             <a:endParaRPr lang="en-GB"/>
           </a:p>
@@ -1967,7 +1972,7 @@
           <a:p>
             <a:fld id="{6CD38BDD-1ED4-4205-AB7F-2EC0332B736E}" type="datetimeFigureOut">
               <a:rPr lang="en-GB" smtClean="0"/>
-              <a:t>16/08/2019</a:t>
+              <a:t>12/09/2019</a:t>
             </a:fld>
             <a:endParaRPr lang="en-GB"/>
           </a:p>
@@ -2080,7 +2085,7 @@
           <a:p>
             <a:fld id="{6CD38BDD-1ED4-4205-AB7F-2EC0332B736E}" type="datetimeFigureOut">
               <a:rPr lang="en-GB" smtClean="0"/>
-              <a:t>16/08/2019</a:t>
+              <a:t>12/09/2019</a:t>
             </a:fld>
             <a:endParaRPr lang="en-GB"/>
           </a:p>
@@ -2393,7 +2398,7 @@
           <a:p>
             <a:fld id="{6CD38BDD-1ED4-4205-AB7F-2EC0332B736E}" type="datetimeFigureOut">
               <a:rPr lang="en-GB" smtClean="0"/>
-              <a:t>16/08/2019</a:t>
+              <a:t>12/09/2019</a:t>
             </a:fld>
             <a:endParaRPr lang="en-GB"/>
           </a:p>
@@ -2682,7 +2687,7 @@
           <a:p>
             <a:fld id="{6CD38BDD-1ED4-4205-AB7F-2EC0332B736E}" type="datetimeFigureOut">
               <a:rPr lang="en-GB" smtClean="0"/>
-              <a:t>16/08/2019</a:t>
+              <a:t>12/09/2019</a:t>
             </a:fld>
             <a:endParaRPr lang="en-GB"/>
           </a:p>
@@ -2925,7 +2930,7 @@
           <a:p>
             <a:fld id="{6CD38BDD-1ED4-4205-AB7F-2EC0332B736E}" type="datetimeFigureOut">
               <a:rPr lang="en-GB" smtClean="0"/>
-              <a:t>16/08/2019</a:t>
+              <a:t>12/09/2019</a:t>
             </a:fld>
             <a:endParaRPr lang="en-GB"/>
           </a:p>
@@ -3356,8 +3361,8 @@
         </p:nvSpPr>
         <p:spPr>
           <a:xfrm>
-            <a:off x="1225117" y="2036312"/>
-            <a:ext cx="2121764" cy="2084033"/>
+            <a:off x="1361053" y="1810691"/>
+            <a:ext cx="2738762" cy="2535036"/>
           </a:xfrm>
           <a:prstGeom prst="rect">
             <a:avLst/>
@@ -3396,166 +3401,19 @@
       </p:sp>
       <p:sp>
         <p:nvSpPr>
-          <p:cNvPr id="8" name="Retângulo 7">
-            <a:extLst>
-              <a:ext uri="{FF2B5EF4-FFF2-40B4-BE49-F238E27FC236}">
-                <a16:creationId xmlns:a16="http://schemas.microsoft.com/office/drawing/2014/main" id="{DCDA1B55-9141-4743-8F01-0A188E526E70}"/>
-              </a:ext>
-            </a:extLst>
-          </p:cNvPr>
-          <p:cNvSpPr/>
+          <p:cNvPr id="10" name="CaixaDeTexto 9">
+            <a:extLst>
+              <a:ext uri="{FF2B5EF4-FFF2-40B4-BE49-F238E27FC236}">
+                <a16:creationId xmlns:a16="http://schemas.microsoft.com/office/drawing/2014/main" id="{9E31734E-C497-48EC-95F4-8E6BB2F572F9}"/>
+              </a:ext>
+            </a:extLst>
+          </p:cNvPr>
+          <p:cNvSpPr txBox="1"/>
           <p:nvPr/>
         </p:nvSpPr>
         <p:spPr>
           <a:xfrm>
-            <a:off x="5123894" y="2036310"/>
-            <a:ext cx="2121764" cy="2084033"/>
-          </a:xfrm>
-          <a:prstGeom prst="rect">
-            <a:avLst/>
-          </a:prstGeom>
-          <a:noFill/>
-          <a:ln w="38100">
-            <a:solidFill>
-              <a:schemeClr val="tx1"/>
-            </a:solidFill>
-          </a:ln>
-        </p:spPr>
-        <p:style>
-          <a:lnRef idx="2">
-            <a:schemeClr val="accent1">
-              <a:shade val="50000"/>
-            </a:schemeClr>
-          </a:lnRef>
-          <a:fillRef idx="1">
-            <a:schemeClr val="accent1"/>
-          </a:fillRef>
-          <a:effectRef idx="0">
-            <a:schemeClr val="accent1"/>
-          </a:effectRef>
-          <a:fontRef idx="minor">
-            <a:schemeClr val="lt1"/>
-          </a:fontRef>
-        </p:style>
-        <p:txBody>
-          <a:bodyPr rtlCol="0" anchor="ctr"/>
-          <a:lstStyle/>
-          <a:p>
-            <a:pPr algn="ctr"/>
-            <a:endParaRPr lang="en-GB"/>
-          </a:p>
-        </p:txBody>
-      </p:sp>
-      <p:sp>
-        <p:nvSpPr>
-          <p:cNvPr id="9" name="Retângulo 8">
-            <a:extLst>
-              <a:ext uri="{FF2B5EF4-FFF2-40B4-BE49-F238E27FC236}">
-                <a16:creationId xmlns:a16="http://schemas.microsoft.com/office/drawing/2014/main" id="{CE71AC07-413C-4EFE-B2C2-5AA662E83CD9}"/>
-              </a:ext>
-            </a:extLst>
-          </p:cNvPr>
-          <p:cNvSpPr/>
-          <p:nvPr/>
-        </p:nvSpPr>
-        <p:spPr>
-          <a:xfrm>
-            <a:off x="9022671" y="2036310"/>
-            <a:ext cx="2121764" cy="2084033"/>
-          </a:xfrm>
-          <a:prstGeom prst="rect">
-            <a:avLst/>
-          </a:prstGeom>
-          <a:noFill/>
-          <a:ln w="38100">
-            <a:solidFill>
-              <a:schemeClr val="tx1"/>
-            </a:solidFill>
-          </a:ln>
-        </p:spPr>
-        <p:style>
-          <a:lnRef idx="2">
-            <a:schemeClr val="accent1">
-              <a:shade val="50000"/>
-            </a:schemeClr>
-          </a:lnRef>
-          <a:fillRef idx="1">
-            <a:schemeClr val="accent1"/>
-          </a:fillRef>
-          <a:effectRef idx="0">
-            <a:schemeClr val="accent1"/>
-          </a:effectRef>
-          <a:fontRef idx="minor">
-            <a:schemeClr val="lt1"/>
-          </a:fontRef>
-        </p:style>
-        <p:txBody>
-          <a:bodyPr rtlCol="0" anchor="ctr"/>
-          <a:lstStyle/>
-          <a:p>
-            <a:pPr algn="ctr"/>
-            <a:endParaRPr lang="en-GB"/>
-          </a:p>
-        </p:txBody>
-      </p:sp>
-      <p:sp>
-        <p:nvSpPr>
-          <p:cNvPr id="10" name="CaixaDeTexto 9">
-            <a:extLst>
-              <a:ext uri="{FF2B5EF4-FFF2-40B4-BE49-F238E27FC236}">
-                <a16:creationId xmlns:a16="http://schemas.microsoft.com/office/drawing/2014/main" id="{9E31734E-C497-48EC-95F4-8E6BB2F572F9}"/>
-              </a:ext>
-            </a:extLst>
-          </p:cNvPr>
-          <p:cNvSpPr txBox="1"/>
-          <p:nvPr/>
-        </p:nvSpPr>
-        <p:spPr>
-          <a:xfrm>
-            <a:off x="847816" y="2601271"/>
-            <a:ext cx="2876365" cy="954107"/>
-          </a:xfrm>
-          <a:prstGeom prst="rect">
-            <a:avLst/>
-          </a:prstGeom>
-          <a:noFill/>
-        </p:spPr>
-        <p:txBody>
-          <a:bodyPr wrap="square" rtlCol="0">
-            <a:spAutoFit/>
-          </a:bodyPr>
-          <a:lstStyle/>
-          <a:p>
-            <a:pPr algn="ctr"/>
-            <a:r>
-              <a:rPr lang="en-GB" sz="2800" dirty="0"/>
-              <a:t>Coincidence </a:t>
-            </a:r>
-          </a:p>
-          <a:p>
-            <a:pPr algn="ctr"/>
-            <a:r>
-              <a:rPr lang="en-GB" sz="2800" dirty="0"/>
-              <a:t>Detector</a:t>
-            </a:r>
-          </a:p>
-        </p:txBody>
-      </p:sp>
-      <p:sp>
-        <p:nvSpPr>
-          <p:cNvPr id="11" name="CaixaDeTexto 10">
-            <a:extLst>
-              <a:ext uri="{FF2B5EF4-FFF2-40B4-BE49-F238E27FC236}">
-                <a16:creationId xmlns:a16="http://schemas.microsoft.com/office/drawing/2014/main" id="{68DD3743-6203-42A1-8709-F3D10F0E6BB9}"/>
-              </a:ext>
-            </a:extLst>
-          </p:cNvPr>
-          <p:cNvSpPr txBox="1"/>
-          <p:nvPr/>
-        </p:nvSpPr>
-        <p:spPr>
-          <a:xfrm>
-            <a:off x="4746593" y="2816715"/>
+            <a:off x="1229552" y="1231208"/>
             <a:ext cx="2876365" cy="523220"/>
           </a:xfrm>
           <a:prstGeom prst="rect">
@@ -3572,7 +3430,7 @@
             <a:pPr algn="ctr"/>
             <a:r>
               <a:rPr lang="en-GB" sz="2800" dirty="0"/>
-              <a:t>QBER</a:t>
+              <a:t>Arduino</a:t>
             </a:r>
           </a:p>
         </p:txBody>
@@ -3591,7 +3449,7 @@
         </p:nvSpPr>
         <p:spPr>
           <a:xfrm>
-            <a:off x="8645370" y="2747173"/>
+            <a:off x="5032159" y="2816599"/>
             <a:ext cx="2876365" cy="523220"/>
           </a:xfrm>
           <a:prstGeom prst="rect">
@@ -3608,7 +3466,7 @@
             <a:pPr algn="ctr"/>
             <a:r>
               <a:rPr lang="en-GB" sz="2800" dirty="0"/>
-              <a:t>Sink</a:t>
+              <a:t>IP Tunnel</a:t>
             </a:r>
           </a:p>
         </p:txBody>
@@ -3630,7 +3488,7 @@
         <p:spPr>
           <a:xfrm>
             <a:off x="0" y="3730100"/>
-            <a:ext cx="1225117" cy="0"/>
+            <a:ext cx="1361053" cy="0"/>
           </a:xfrm>
           <a:prstGeom prst="straightConnector1">
             <a:avLst/>
@@ -3672,9 +3530,9 @@
           <p:nvPr/>
         </p:nvCxnSpPr>
         <p:spPr>
-          <a:xfrm>
-            <a:off x="0" y="3078324"/>
-            <a:ext cx="1225117" cy="0"/>
+          <a:xfrm flipV="1">
+            <a:off x="0" y="3067384"/>
+            <a:ext cx="1361053" cy="10940"/>
           </a:xfrm>
           <a:prstGeom prst="straightConnector1">
             <a:avLst/>
@@ -3716,9 +3574,9 @@
           <p:nvPr/>
         </p:nvCxnSpPr>
         <p:spPr>
-          <a:xfrm>
-            <a:off x="0" y="2419164"/>
-            <a:ext cx="1225117" cy="0"/>
+          <a:xfrm flipV="1">
+            <a:off x="0" y="2411082"/>
+            <a:ext cx="1361053" cy="8082"/>
           </a:xfrm>
           <a:prstGeom prst="straightConnector1">
             <a:avLst/>
@@ -3760,7 +3618,7 @@
         <p:spPr>
           <a:xfrm>
             <a:off x="332911" y="2041750"/>
-            <a:ext cx="1029809" cy="338554"/>
+            <a:ext cx="1029809" cy="369332"/>
           </a:xfrm>
           <a:prstGeom prst="rect">
             <a:avLst/>
@@ -3774,9 +3632,10 @@
           <a:lstStyle/>
           <a:p>
             <a:r>
-              <a:rPr lang="en-GB" sz="1600" dirty="0"/>
+              <a:rPr lang="en-GB" dirty="0"/>
               <a:t>SPD0</a:t>
             </a:r>
+            <a:endParaRPr lang="en-GB" sz="1600" dirty="0"/>
           </a:p>
         </p:txBody>
       </p:sp>
@@ -3795,7 +3654,7 @@
         <p:spPr>
           <a:xfrm>
             <a:off x="332911" y="2775986"/>
-            <a:ext cx="1029809" cy="338554"/>
+            <a:ext cx="1029809" cy="369332"/>
           </a:xfrm>
           <a:prstGeom prst="rect">
             <a:avLst/>
@@ -3809,9 +3668,10 @@
           <a:lstStyle/>
           <a:p>
             <a:r>
-              <a:rPr lang="en-GB" sz="1600" dirty="0"/>
+              <a:rPr lang="en-GB" dirty="0"/>
               <a:t>SPD1</a:t>
             </a:r>
+            <a:endParaRPr lang="en-GB" sz="1600" dirty="0"/>
           </a:p>
         </p:txBody>
       </p:sp>
@@ -3830,7 +3690,7 @@
         <p:spPr>
           <a:xfrm>
             <a:off x="332910" y="3416878"/>
-            <a:ext cx="1029809" cy="338554"/>
+            <a:ext cx="1029809" cy="369332"/>
           </a:xfrm>
           <a:prstGeom prst="rect">
             <a:avLst/>
@@ -3844,18 +3704,71 @@
           <a:lstStyle/>
           <a:p>
             <a:r>
-              <a:rPr lang="en-GB" sz="1600" dirty="0"/>
+              <a:rPr lang="en-GB" dirty="0"/>
               <a:t>Clock</a:t>
             </a:r>
+            <a:endParaRPr lang="en-GB" sz="1600" dirty="0"/>
+          </a:p>
+        </p:txBody>
+      </p:sp>
+      <p:sp>
+        <p:nvSpPr>
+          <p:cNvPr id="26" name="Retângulo 25">
+            <a:extLst>
+              <a:ext uri="{FF2B5EF4-FFF2-40B4-BE49-F238E27FC236}">
+                <a16:creationId xmlns:a16="http://schemas.microsoft.com/office/drawing/2014/main" id="{E9703AC5-E2BD-4AE4-87AF-FCAB8C16D3D7}"/>
+              </a:ext>
+            </a:extLst>
+          </p:cNvPr>
+          <p:cNvSpPr/>
+          <p:nvPr/>
+        </p:nvSpPr>
+        <p:spPr>
+          <a:xfrm>
+            <a:off x="5409460" y="2036193"/>
+            <a:ext cx="2121764" cy="2084033"/>
+          </a:xfrm>
+          <a:prstGeom prst="rect">
+            <a:avLst/>
+          </a:prstGeom>
+          <a:noFill/>
+          <a:ln w="38100">
+            <a:solidFill>
+              <a:schemeClr val="tx1"/>
+            </a:solidFill>
+          </a:ln>
+        </p:spPr>
+        <p:style>
+          <a:lnRef idx="2">
+            <a:schemeClr val="accent1">
+              <a:shade val="50000"/>
+            </a:schemeClr>
+          </a:lnRef>
+          <a:fillRef idx="1">
+            <a:schemeClr val="accent1"/>
+          </a:fillRef>
+          <a:effectRef idx="0">
+            <a:schemeClr val="accent1"/>
+          </a:effectRef>
+          <a:fontRef idx="minor">
+            <a:schemeClr val="lt1"/>
+          </a:fontRef>
+        </p:style>
+        <p:txBody>
+          <a:bodyPr rtlCol="0" anchor="ctr"/>
+          <a:lstStyle/>
+          <a:p>
+            <a:pPr algn="ctr"/>
+            <a:endParaRPr lang="en-GB"/>
           </a:p>
         </p:txBody>
       </p:sp>
       <p:cxnSp>
         <p:nvCxnSpPr>
-          <p:cNvPr id="25" name="Conexão reta unidirecional 24">
-            <a:extLst>
-              <a:ext uri="{FF2B5EF4-FFF2-40B4-BE49-F238E27FC236}">
-                <a16:creationId xmlns:a16="http://schemas.microsoft.com/office/drawing/2014/main" id="{4BA52199-C08D-40D5-B4CC-A3DFE44747F3}"/>
+          <p:cNvPr id="31" name="Conexão reta unidirecional 30">
+            <a:extLst>
+              <a:ext uri="{FF2B5EF4-FFF2-40B4-BE49-F238E27FC236}">
+                <a16:creationId xmlns:a16="http://schemas.microsoft.com/office/drawing/2014/main" id="{AD7F86E4-4978-4B9C-A235-BB2656C39A25}"/>
               </a:ext>
             </a:extLst>
           </p:cNvPr>
@@ -3866,8 +3779,8 @@
         </p:nvCxnSpPr>
         <p:spPr>
           <a:xfrm>
-            <a:off x="3346881" y="3114540"/>
-            <a:ext cx="1777013" cy="0"/>
+            <a:off x="4105917" y="2980534"/>
+            <a:ext cx="1311310" cy="10825"/>
           </a:xfrm>
           <a:prstGeom prst="straightConnector1">
             <a:avLst/>
@@ -3896,10 +3809,10 @@
       </p:cxnSp>
       <p:sp>
         <p:nvSpPr>
-          <p:cNvPr id="27" name="CaixaDeTexto 26">
-            <a:extLst>
-              <a:ext uri="{FF2B5EF4-FFF2-40B4-BE49-F238E27FC236}">
-                <a16:creationId xmlns:a16="http://schemas.microsoft.com/office/drawing/2014/main" id="{8E48879C-80E1-4E97-B28C-876E0CABBA00}"/>
+          <p:cNvPr id="32" name="CaixaDeTexto 31">
+            <a:extLst>
+              <a:ext uri="{FF2B5EF4-FFF2-40B4-BE49-F238E27FC236}">
+                <a16:creationId xmlns:a16="http://schemas.microsoft.com/office/drawing/2014/main" id="{DDD58EDC-98B9-47C1-976B-4EFCAC1B1879}"/>
               </a:ext>
             </a:extLst>
           </p:cNvPr>
@@ -3908,8 +3821,8 @@
         </p:nvSpPr>
         <p:spPr>
           <a:xfrm>
-            <a:off x="3892858" y="2775986"/>
-            <a:ext cx="1029809" cy="338554"/>
+            <a:off x="1318695" y="2591750"/>
+            <a:ext cx="2860833" cy="954107"/>
           </a:xfrm>
           <a:prstGeom prst="rect">
             <a:avLst/>
@@ -3922,32 +3835,85 @@
           </a:bodyPr>
           <a:lstStyle/>
           <a:p>
-            <a:r>
-              <a:rPr lang="en-GB" sz="1600" dirty="0" err="1"/>
-              <a:t>CD_out</a:t>
-            </a:r>
-            <a:endParaRPr lang="en-GB" sz="1600" dirty="0"/>
+            <a:pPr algn="ctr"/>
+            <a:r>
+              <a:rPr lang="en-GB" sz="2800" dirty="0"/>
+              <a:t>Coincidence Detector</a:t>
+            </a:r>
+          </a:p>
+        </p:txBody>
+      </p:sp>
+      <p:sp>
+        <p:nvSpPr>
+          <p:cNvPr id="35" name="Retângulo 34">
+            <a:extLst>
+              <a:ext uri="{FF2B5EF4-FFF2-40B4-BE49-F238E27FC236}">
+                <a16:creationId xmlns:a16="http://schemas.microsoft.com/office/drawing/2014/main" id="{7F715ABC-49BB-4591-98AB-D71694AA2B5E}"/>
+              </a:ext>
+            </a:extLst>
+          </p:cNvPr>
+          <p:cNvSpPr/>
+          <p:nvPr/>
+        </p:nvSpPr>
+        <p:spPr>
+          <a:xfrm>
+            <a:off x="9384436" y="1810691"/>
+            <a:ext cx="2738762" cy="2535036"/>
+          </a:xfrm>
+          <a:prstGeom prst="rect">
+            <a:avLst/>
+          </a:prstGeom>
+          <a:noFill/>
+          <a:ln w="38100">
+            <a:solidFill>
+              <a:schemeClr val="tx1"/>
+            </a:solidFill>
+          </a:ln>
+        </p:spPr>
+        <p:style>
+          <a:lnRef idx="2">
+            <a:schemeClr val="accent1">
+              <a:shade val="50000"/>
+            </a:schemeClr>
+          </a:lnRef>
+          <a:fillRef idx="1">
+            <a:schemeClr val="accent1"/>
+          </a:fillRef>
+          <a:effectRef idx="0">
+            <a:schemeClr val="accent1"/>
+          </a:effectRef>
+          <a:fontRef idx="minor">
+            <a:schemeClr val="lt1"/>
+          </a:fontRef>
+        </p:style>
+        <p:txBody>
+          <a:bodyPr rtlCol="0" anchor="ctr"/>
+          <a:lstStyle/>
+          <a:p>
+            <a:pPr algn="ctr"/>
+            <a:endParaRPr lang="en-GB" dirty="0"/>
           </a:p>
         </p:txBody>
       </p:sp>
       <p:cxnSp>
         <p:nvCxnSpPr>
-          <p:cNvPr id="28" name="Conexão reta unidirecional 27">
-            <a:extLst>
-              <a:ext uri="{FF2B5EF4-FFF2-40B4-BE49-F238E27FC236}">
-                <a16:creationId xmlns:a16="http://schemas.microsoft.com/office/drawing/2014/main" id="{8C4B62DF-7265-4942-BF26-4DDE289420FD}"/>
+          <p:cNvPr id="36" name="Conexão reta unidirecional 35">
+            <a:extLst>
+              <a:ext uri="{FF2B5EF4-FFF2-40B4-BE49-F238E27FC236}">
+                <a16:creationId xmlns:a16="http://schemas.microsoft.com/office/drawing/2014/main" id="{5A0CB5E4-5F58-49E0-AE7A-3D2145324500}"/>
               </a:ext>
             </a:extLst>
           </p:cNvPr>
           <p:cNvCxnSpPr>
             <a:cxnSpLocks/>
+            <a:endCxn id="38" idx="1"/>
           </p:cNvCxnSpPr>
           <p:nvPr/>
         </p:nvCxnSpPr>
         <p:spPr>
           <a:xfrm>
-            <a:off x="7245658" y="3114540"/>
-            <a:ext cx="1777013" cy="0"/>
+            <a:off x="7531224" y="2986878"/>
+            <a:ext cx="1853211" cy="0"/>
           </a:xfrm>
           <a:prstGeom prst="straightConnector1">
             <a:avLst/>
@@ -3976,10 +3942,10 @@
       </p:cxnSp>
       <p:sp>
         <p:nvSpPr>
-          <p:cNvPr id="29" name="CaixaDeTexto 28">
-            <a:extLst>
-              <a:ext uri="{FF2B5EF4-FFF2-40B4-BE49-F238E27FC236}">
-                <a16:creationId xmlns:a16="http://schemas.microsoft.com/office/drawing/2014/main" id="{6D7515AE-2140-45FF-A3E8-AEBC3D314EDA}"/>
+          <p:cNvPr id="37" name="CaixaDeTexto 36">
+            <a:extLst>
+              <a:ext uri="{FF2B5EF4-FFF2-40B4-BE49-F238E27FC236}">
+                <a16:creationId xmlns:a16="http://schemas.microsoft.com/office/drawing/2014/main" id="{CEB34384-AF7E-4E72-A675-3BBD2547C116}"/>
               </a:ext>
             </a:extLst>
           </p:cNvPr>
@@ -3988,8 +3954,8 @@
         </p:nvSpPr>
         <p:spPr>
           <a:xfrm>
-            <a:off x="7668087" y="2775986"/>
-            <a:ext cx="1029809" cy="338554"/>
+            <a:off x="9384436" y="1225060"/>
+            <a:ext cx="2876365" cy="523220"/>
           </a:xfrm>
           <a:prstGeom prst="rect">
             <a:avLst/>
@@ -4002,65 +3968,20 @@
           </a:bodyPr>
           <a:lstStyle/>
           <a:p>
-            <a:r>
-              <a:rPr lang="en-GB" sz="1600" dirty="0" err="1"/>
-              <a:t>QBER_out</a:t>
-            </a:r>
-            <a:endParaRPr lang="en-GB" sz="1600" dirty="0"/>
-          </a:p>
-        </p:txBody>
-      </p:sp>
-      <p:cxnSp>
-        <p:nvCxnSpPr>
-          <p:cNvPr id="30" name="Conexão reta unidirecional 29">
-            <a:extLst>
-              <a:ext uri="{FF2B5EF4-FFF2-40B4-BE49-F238E27FC236}">
-                <a16:creationId xmlns:a16="http://schemas.microsoft.com/office/drawing/2014/main" id="{F6446128-5723-44EB-B87C-76405C86EF79}"/>
-              </a:ext>
-            </a:extLst>
-          </p:cNvPr>
-          <p:cNvCxnSpPr>
-            <a:cxnSpLocks/>
-            <a:endCxn id="8" idx="2"/>
-          </p:cNvCxnSpPr>
-          <p:nvPr/>
-        </p:nvCxnSpPr>
-        <p:spPr>
-          <a:xfrm flipV="1">
-            <a:off x="6184776" y="4120343"/>
-            <a:ext cx="0" cy="1108605"/>
-          </a:xfrm>
-          <a:prstGeom prst="straightConnector1">
-            <a:avLst/>
-          </a:prstGeom>
-          <a:ln w="28575">
-            <a:solidFill>
-              <a:schemeClr val="tx1"/>
-            </a:solidFill>
-            <a:tailEnd type="triangle"/>
-          </a:ln>
-        </p:spPr>
-        <p:style>
-          <a:lnRef idx="1">
-            <a:schemeClr val="accent1"/>
-          </a:lnRef>
-          <a:fillRef idx="0">
-            <a:schemeClr val="accent1"/>
-          </a:fillRef>
-          <a:effectRef idx="0">
-            <a:schemeClr val="accent1"/>
-          </a:effectRef>
-          <a:fontRef idx="minor">
-            <a:schemeClr val="tx1"/>
-          </a:fontRef>
-        </p:style>
-      </p:cxnSp>
-      <p:sp>
-        <p:nvSpPr>
-          <p:cNvPr id="34" name="CaixaDeTexto 33">
-            <a:extLst>
-              <a:ext uri="{FF2B5EF4-FFF2-40B4-BE49-F238E27FC236}">
-                <a16:creationId xmlns:a16="http://schemas.microsoft.com/office/drawing/2014/main" id="{387BE4F2-0D4A-42D3-B044-D6C1511804E5}"/>
+            <a:pPr algn="ctr"/>
+            <a:r>
+              <a:rPr lang="en-GB" sz="2800" dirty="0"/>
+              <a:t>PC Server</a:t>
+            </a:r>
+          </a:p>
+        </p:txBody>
+      </p:sp>
+      <p:sp>
+        <p:nvSpPr>
+          <p:cNvPr id="38" name="CaixaDeTexto 37">
+            <a:extLst>
+              <a:ext uri="{FF2B5EF4-FFF2-40B4-BE49-F238E27FC236}">
+                <a16:creationId xmlns:a16="http://schemas.microsoft.com/office/drawing/2014/main" id="{AA240034-FE5E-46ED-BBAF-EF96DB18FC52}"/>
               </a:ext>
             </a:extLst>
           </p:cNvPr>
@@ -4069,8 +3990,8 @@
         </p:nvSpPr>
         <p:spPr>
           <a:xfrm>
-            <a:off x="6192915" y="4890394"/>
-            <a:ext cx="1029809" cy="338554"/>
+            <a:off x="9384435" y="2725268"/>
+            <a:ext cx="2876365" cy="523220"/>
           </a:xfrm>
           <a:prstGeom prst="rect">
             <a:avLst/>
@@ -4083,10 +4004,85 @@
           </a:bodyPr>
           <a:lstStyle/>
           <a:p>
-            <a:r>
-              <a:rPr lang="en-GB" sz="1600" dirty="0"/>
-              <a:t>Alice</a:t>
-            </a:r>
+            <a:pPr algn="ctr"/>
+            <a:r>
+              <a:rPr lang="en-GB" sz="2800" dirty="0"/>
+              <a:t>QBER</a:t>
+            </a:r>
+          </a:p>
+        </p:txBody>
+      </p:sp>
+      <p:sp>
+        <p:nvSpPr>
+          <p:cNvPr id="39" name="CaixaDeTexto 38">
+            <a:extLst>
+              <a:ext uri="{FF2B5EF4-FFF2-40B4-BE49-F238E27FC236}">
+                <a16:creationId xmlns:a16="http://schemas.microsoft.com/office/drawing/2014/main" id="{105D479E-CE17-43C4-9D09-074798C07527}"/>
+              </a:ext>
+            </a:extLst>
+          </p:cNvPr>
+          <p:cNvSpPr txBox="1"/>
+          <p:nvPr/>
+        </p:nvSpPr>
+        <p:spPr>
+          <a:xfrm>
+            <a:off x="3487067" y="2555527"/>
+            <a:ext cx="2515713" cy="338554"/>
+          </a:xfrm>
+          <a:prstGeom prst="rect">
+            <a:avLst/>
+          </a:prstGeom>
+          <a:noFill/>
+        </p:spPr>
+        <p:txBody>
+          <a:bodyPr wrap="square" rtlCol="0">
+            <a:spAutoFit/>
+          </a:bodyPr>
+          <a:lstStyle/>
+          <a:p>
+            <a:pPr algn="ctr"/>
+            <a:r>
+              <a:rPr lang="en-GB" sz="1600" dirty="0" err="1"/>
+              <a:t>BobData_In</a:t>
+            </a:r>
+            <a:endParaRPr lang="en-GB" sz="1600" dirty="0"/>
+          </a:p>
+        </p:txBody>
+      </p:sp>
+      <p:sp>
+        <p:nvSpPr>
+          <p:cNvPr id="40" name="CaixaDeTexto 39">
+            <a:extLst>
+              <a:ext uri="{FF2B5EF4-FFF2-40B4-BE49-F238E27FC236}">
+                <a16:creationId xmlns:a16="http://schemas.microsoft.com/office/drawing/2014/main" id="{255FBC4B-346A-4136-A171-FFE2A60F9B10}"/>
+              </a:ext>
+            </a:extLst>
+          </p:cNvPr>
+          <p:cNvSpPr txBox="1"/>
+          <p:nvPr/>
+        </p:nvSpPr>
+        <p:spPr>
+          <a:xfrm>
+            <a:off x="7199973" y="2585264"/>
+            <a:ext cx="2515713" cy="338554"/>
+          </a:xfrm>
+          <a:prstGeom prst="rect">
+            <a:avLst/>
+          </a:prstGeom>
+          <a:noFill/>
+        </p:spPr>
+        <p:txBody>
+          <a:bodyPr wrap="square" rtlCol="0">
+            <a:spAutoFit/>
+          </a:bodyPr>
+          <a:lstStyle/>
+          <a:p>
+            <a:pPr algn="ctr"/>
+            <a:r>
+              <a:rPr lang="en-GB" sz="1600" dirty="0" err="1"/>
+              <a:t>IPTunnel_BobData_In</a:t>
+            </a:r>
+            <a:endParaRPr lang="en-GB" sz="1600" dirty="0"/>
           </a:p>
         </p:txBody>
       </p:sp>
